--- a/TestCq5Bundle/doc/CQ5-외부jar패키지추가방법_20160225.pptx
+++ b/TestCq5Bundle/doc/CQ5-외부jar패키지추가방법_20160225.pptx
@@ -3033,19 +3033,10 @@
           <a:lstStyle/>
           <a:p>
             <a:r>
-              <a:rPr lang="en-US" altLang="ko-KR" dirty="0"/>
+              <a:rPr lang="en-US" altLang="ko-KR"/>
               <a:t>2016.02.25</a:t>
             </a:r>
-          </a:p>
-          <a:p>
-            <a:r>
-              <a:rPr lang="ko-KR" altLang="en-US" dirty="0" err="1"/>
-              <a:t>채상윤</a:t>
-            </a:r>
-            <a:r>
-              <a:rPr lang="en-US" altLang="ko-KR" dirty="0"/>
-              <a:t>(sychae@univista.co.kr)</a:t>
-            </a:r>
+            <a:endParaRPr lang="en-US" altLang="ko-KR" dirty="0"/>
           </a:p>
         </p:txBody>
       </p:sp>
